--- a/NM-2.0-CF1-Task 1.pptx
+++ b/NM-2.0-CF1-Task 1.pptx
@@ -242,7 +242,7 @@
             <a:fld id="{7B35AC85-88E6-498D-8CE0-C8B529C309B1}" type="datetimeFigureOut">
               <a:rPr lang="en-US" smtClean="0"/>
               <a:pPr/>
-              <a:t>10/31/2023</a:t>
+              <a:t>11/17/2023</a:t>
             </a:fld>
             <a:endParaRPr lang="en-US"/>
           </a:p>
@@ -618,7 +618,7 @@
             <a:fld id="{C16525B2-4347-4F72-BAF7-76B19438D329}" type="datetimeFigureOut">
               <a:rPr lang="en-US" smtClean="0"/>
               <a:pPr/>
-              <a:t>10/31/2023</a:t>
+              <a:t>11/17/2023</a:t>
             </a:fld>
             <a:endParaRPr lang="en-US"/>
           </a:p>
@@ -843,7 +843,7 @@
             <a:fld id="{1D8BD707-D9CF-40AE-B4C6-C98DA3205C09}" type="datetimeFigureOut">
               <a:rPr lang="en-US"/>
               <a:pPr/>
-              <a:t>10/31/2023</a:t>
+              <a:t>11/17/2023</a:t>
             </a:fld>
             <a:endParaRPr lang="en-US"/>
           </a:p>
@@ -1322,8 +1322,8 @@
         </p:nvSpPr>
         <p:spPr>
           <a:xfrm>
-            <a:off x="4273458" y="2270922"/>
-            <a:ext cx="2527274" cy="247015"/>
+            <a:off x="3429000" y="2266950"/>
+            <a:ext cx="3733800" cy="205184"/>
           </a:xfrm>
           <a:prstGeom prst="rect">
             <a:avLst/>
@@ -1335,107 +1335,28 @@
           </a:bodyPr>
           <a:lstStyle/>
           <a:p>
-            <a:pPr marL="0" marR="0">
+            <a:pPr>
               <a:lnSpc>
                 <a:spcPts val="1645"/>
               </a:lnSpc>
-              <a:spcBef>
-                <a:spcPts val="0"/>
-              </a:spcBef>
-              <a:spcAft>
-                <a:spcPts val="0"/>
-              </a:spcAft>
             </a:pPr>
             <a:r>
-              <a:rPr sz="1400" b="1" dirty="0">
+              <a:rPr lang="en-US" sz="1400" b="1" dirty="0" smtClean="0">
                 <a:solidFill>
                   <a:srgbClr val="BD8738"/>
                 </a:solidFill>
                 <a:latin typeface="RMKPBC+PublicSans-BoldItalic"/>
                 <a:cs typeface="RMKPBC+PublicSans-BoldItalic"/>
               </a:rPr>
-              <a:t>Insert</a:t>
-            </a:r>
-            <a:r>
-              <a:rPr sz="1400" b="1" spc="-34" dirty="0">
-                <a:solidFill>
-                  <a:srgbClr val="BD8738"/>
-                </a:solidFill>
-                <a:latin typeface="RMKPBC+PublicSans-BoldItalic"/>
-                <a:cs typeface="RMKPBC+PublicSans-BoldItalic"/>
-              </a:rPr>
-              <a:t> </a:t>
-            </a:r>
-            <a:r>
-              <a:rPr sz="1400" b="1" dirty="0">
-                <a:solidFill>
-                  <a:srgbClr val="BD8738"/>
-                </a:solidFill>
-                <a:latin typeface="RMKPBC+PublicSans-BoldItalic"/>
-                <a:cs typeface="RMKPBC+PublicSans-BoldItalic"/>
-              </a:rPr>
-              <a:t>Your</a:t>
-            </a:r>
-            <a:r>
-              <a:rPr sz="1400" b="1" spc="-34" dirty="0">
-                <a:solidFill>
-                  <a:srgbClr val="BD8738"/>
-                </a:solidFill>
-                <a:latin typeface="RMKPBC+PublicSans-BoldItalic"/>
-                <a:cs typeface="RMKPBC+PublicSans-BoldItalic"/>
-              </a:rPr>
-              <a:t> </a:t>
-            </a:r>
-            <a:r>
-              <a:rPr sz="1400" b="1" dirty="0">
-                <a:solidFill>
-                  <a:srgbClr val="BD8738"/>
-                </a:solidFill>
-                <a:latin typeface="RMKPBC+PublicSans-BoldItalic"/>
-                <a:cs typeface="RMKPBC+PublicSans-BoldItalic"/>
-              </a:rPr>
-              <a:t>Github</a:t>
-            </a:r>
-            <a:r>
-              <a:rPr sz="1400" b="1" spc="-34" dirty="0">
-                <a:solidFill>
-                  <a:srgbClr val="BD8738"/>
-                </a:solidFill>
-                <a:latin typeface="RMKPBC+PublicSans-BoldItalic"/>
-                <a:cs typeface="RMKPBC+PublicSans-BoldItalic"/>
-              </a:rPr>
-              <a:t> </a:t>
-            </a:r>
-            <a:r>
-              <a:rPr sz="1400" b="1" dirty="0">
-                <a:solidFill>
-                  <a:srgbClr val="BD8738"/>
-                </a:solidFill>
-                <a:latin typeface="RMKPBC+PublicSans-BoldItalic"/>
-                <a:cs typeface="RMKPBC+PublicSans-BoldItalic"/>
-              </a:rPr>
-              <a:t>Link</a:t>
-            </a:r>
-            <a:r>
-              <a:rPr sz="1400" b="1" spc="-34" dirty="0">
-                <a:solidFill>
-                  <a:srgbClr val="BD8738"/>
-                </a:solidFill>
-                <a:latin typeface="RMKPBC+PublicSans-BoldItalic"/>
-                <a:cs typeface="RMKPBC+PublicSans-BoldItalic"/>
-              </a:rPr>
-              <a:t> </a:t>
-            </a:r>
-            <a:r>
-              <a:rPr sz="1400" b="1" dirty="0">
-                <a:solidFill>
-                  <a:srgbClr val="BD8738"/>
-                </a:solidFill>
-                <a:latin typeface="RMKPBC+PublicSans-BoldItalic"/>
-                <a:cs typeface="RMKPBC+PublicSans-BoldItalic"/>
-              </a:rPr>
-              <a:t>Here</a:t>
-            </a:r>
+              <a:t>https://github.com/HemaPriyah1/Hema1103</a:t>
+            </a:r>
+            <a:endParaRPr sz="1400" b="1" dirty="0">
+              <a:solidFill>
+                <a:srgbClr val="BD8738"/>
+              </a:solidFill>
+              <a:latin typeface="RMKPBC+PublicSans-BoldItalic"/>
+              <a:cs typeface="RMKPBC+PublicSans-BoldItalic"/>
+            </a:endParaRPr>
           </a:p>
         </p:txBody>
       </p:sp>
